--- a/beyond2016/atat_lfs_gos.pptx
+++ b/beyond2016/atat_lfs_gos.pptx
@@ -5,13 +5,15 @@
     <p:sldMasterId id="2147483682" r:id="rId1"/>
   </p:sldMasterIdLst>
   <p:notesMasterIdLst>
-    <p:notesMasterId r:id="rId6"/>
+    <p:notesMasterId r:id="rId8"/>
   </p:notesMasterIdLst>
   <p:sldIdLst>
     <p:sldId id="623" r:id="rId2"/>
     <p:sldId id="624" r:id="rId3"/>
-    <p:sldId id="625" r:id="rId4"/>
-    <p:sldId id="626" r:id="rId5"/>
+    <p:sldId id="627" r:id="rId4"/>
+    <p:sldId id="628" r:id="rId5"/>
+    <p:sldId id="625" r:id="rId6"/>
+    <p:sldId id="626" r:id="rId7"/>
   </p:sldIdLst>
   <p:sldSz cx="7977188" cy="5219700"/>
   <p:notesSz cx="9939338" cy="14368463"/>
@@ -1387,6 +1389,524 @@
   <c:chart>
     <c:autoTitleDeleted val="1"/>
     <c:plotArea>
+      <c:layout/>
+      <c:barChart>
+        <c:barDir val="col"/>
+        <c:grouping val="clustered"/>
+        <c:varyColors val="0"/>
+        <c:ser>
+          <c:idx val="0"/>
+          <c:order val="0"/>
+          <c:tx>
+            <c:strRef>
+              <c:f>Sheet1!$B$1</c:f>
+              <c:strCache>
+                <c:ptCount val="1"/>
+                <c:pt idx="0">
+                  <c:v>Average ue rate</c:v>
+                </c:pt>
+              </c:strCache>
+            </c:strRef>
+          </c:tx>
+          <c:spPr>
+            <a:solidFill>
+              <a:schemeClr val="tx2"/>
+            </a:solidFill>
+            <a:ln w="9525">
+              <a:solidFill>
+                <a:srgbClr val="FFFFFF"/>
+              </a:solidFill>
+            </a:ln>
+          </c:spPr>
+          <c:invertIfNegative val="0"/>
+          <c:cat>
+            <c:strRef>
+              <c:f>Sheet1!$A$2:$A$7</c:f>
+              <c:strCache>
+                <c:ptCount val="6"/>
+                <c:pt idx="0">
+                  <c:v>30-50</c:v>
+                </c:pt>
+                <c:pt idx="1">
+                  <c:v>50-60</c:v>
+                </c:pt>
+                <c:pt idx="2">
+                  <c:v>60-70</c:v>
+                </c:pt>
+                <c:pt idx="3">
+                  <c:v>70-80</c:v>
+                </c:pt>
+                <c:pt idx="4">
+                  <c:v>80-90</c:v>
+                </c:pt>
+                <c:pt idx="5">
+                  <c:v>90-100</c:v>
+                </c:pt>
+              </c:strCache>
+            </c:strRef>
+          </c:cat>
+          <c:val>
+            <c:numRef>
+              <c:f>Sheet1!$B$2:$B$7</c:f>
+              <c:numCache>
+                <c:formatCode>General</c:formatCode>
+                <c:ptCount val="6"/>
+                <c:pt idx="0">
+                  <c:v>36.476043276661514</c:v>
+                </c:pt>
+                <c:pt idx="1">
+                  <c:v>32.46514075243357</c:v>
+                </c:pt>
+                <c:pt idx="2">
+                  <c:v>31.640921752342365</c:v>
+                </c:pt>
+                <c:pt idx="3">
+                  <c:v>29.27175048500224</c:v>
+                </c:pt>
+                <c:pt idx="4">
+                  <c:v>27.58227520082923</c:v>
+                </c:pt>
+                <c:pt idx="5">
+                  <c:v>21.507515473032715</c:v>
+                </c:pt>
+              </c:numCache>
+            </c:numRef>
+          </c:val>
+          <c:extLst>
+            <c:ext xmlns:c16="http://schemas.microsoft.com/office/drawing/2014/chart" uri="{C3380CC4-5D6E-409C-BE32-E72D297353CC}">
+              <c16:uniqueId val="{00000004-5A34-4138-B5E6-26F4B8707154}"/>
+            </c:ext>
+          </c:extLst>
+        </c:ser>
+        <c:dLbls>
+          <c:showLegendKey val="0"/>
+          <c:showVal val="0"/>
+          <c:showCatName val="0"/>
+          <c:showSerName val="0"/>
+          <c:showPercent val="0"/>
+          <c:showBubbleSize val="0"/>
+        </c:dLbls>
+        <c:gapWidth val="100"/>
+        <c:axId val="324265856"/>
+        <c:axId val="327427200"/>
+      </c:barChart>
+      <c:catAx>
+        <c:axId val="324265856"/>
+        <c:scaling>
+          <c:orientation val="minMax"/>
+        </c:scaling>
+        <c:delete val="0"/>
+        <c:axPos val="b"/>
+        <c:numFmt formatCode="General" sourceLinked="1"/>
+        <c:majorTickMark val="none"/>
+        <c:minorTickMark val="none"/>
+        <c:tickLblPos val="nextTo"/>
+        <c:spPr>
+          <a:ln>
+            <a:solidFill>
+              <a:schemeClr val="tx1"/>
+            </a:solidFill>
+          </a:ln>
+        </c:spPr>
+        <c:txPr>
+          <a:bodyPr/>
+          <a:lstStyle/>
+          <a:p>
+            <a:pPr>
+              <a:defRPr sz="1800"/>
+            </a:pPr>
+            <a:endParaRPr lang="en-US"/>
+          </a:p>
+        </c:txPr>
+        <c:crossAx val="327427200"/>
+        <c:crosses val="autoZero"/>
+        <c:auto val="1"/>
+        <c:lblAlgn val="ctr"/>
+        <c:lblOffset val="100"/>
+        <c:noMultiLvlLbl val="0"/>
+      </c:catAx>
+      <c:valAx>
+        <c:axId val="327427200"/>
+        <c:scaling>
+          <c:orientation val="minMax"/>
+          <c:min val="0"/>
+        </c:scaling>
+        <c:delete val="0"/>
+        <c:axPos val="l"/>
+        <c:majorGridlines>
+          <c:spPr>
+            <a:ln>
+              <a:solidFill>
+                <a:schemeClr val="accent6">
+                  <a:lumMod val="60000"/>
+                  <a:lumOff val="40000"/>
+                </a:schemeClr>
+              </a:solidFill>
+            </a:ln>
+          </c:spPr>
+        </c:majorGridlines>
+        <c:numFmt formatCode="General" sourceLinked="1"/>
+        <c:majorTickMark val="out"/>
+        <c:minorTickMark val="none"/>
+        <c:tickLblPos val="nextTo"/>
+        <c:spPr>
+          <a:ln>
+            <a:noFill/>
+          </a:ln>
+        </c:spPr>
+        <c:txPr>
+          <a:bodyPr/>
+          <a:lstStyle/>
+          <a:p>
+            <a:pPr>
+              <a:defRPr sz="1800"/>
+            </a:pPr>
+            <a:endParaRPr lang="en-US"/>
+          </a:p>
+        </c:txPr>
+        <c:crossAx val="324265856"/>
+        <c:crosses val="autoZero"/>
+        <c:crossBetween val="between"/>
+      </c:valAx>
+    </c:plotArea>
+    <c:plotVisOnly val="1"/>
+    <c:dispBlanksAs val="gap"/>
+    <c:showDLblsOverMax val="0"/>
+  </c:chart>
+  <c:txPr>
+    <a:bodyPr/>
+    <a:lstStyle/>
+    <a:p>
+      <a:pPr>
+        <a:defRPr sz="1800"/>
+      </a:pPr>
+      <a:endParaRPr lang="en-US"/>
+    </a:p>
+  </c:txPr>
+  <c:externalData r:id="rId2">
+    <c:autoUpdate val="0"/>
+  </c:externalData>
+</c:chartSpace>
+</file>
+
+<file path=ppt/charts/chart4.xml><?xml version="1.0" encoding="utf-8"?>
+<c:chartSpace xmlns:c="http://schemas.openxmlformats.org/drawingml/2006/chart" xmlns:a="http://schemas.openxmlformats.org/drawingml/2006/main" xmlns:r="http://schemas.openxmlformats.org/officeDocument/2006/relationships" xmlns:c16r2="http://schemas.microsoft.com/office/drawing/2015/06/chart">
+  <c:date1904 val="0"/>
+  <c:lang val="en-US"/>
+  <c:roundedCorners val="0"/>
+  <mc:AlternateContent xmlns:mc="http://schemas.openxmlformats.org/markup-compatibility/2006">
+    <mc:Choice xmlns:c14="http://schemas.microsoft.com/office/drawing/2007/8/2/chart" Requires="c14">
+      <c14:style val="102"/>
+    </mc:Choice>
+    <mc:Fallback>
+      <c:style val="2"/>
+    </mc:Fallback>
+  </mc:AlternateContent>
+  <c:clrMapOvr bg1="lt1" tx1="dk1" bg2="lt2" tx2="dk2" accent1="accent1" accent2="accent2" accent3="accent3" accent4="accent4" accent5="accent5" accent6="accent6" hlink="hlink" folHlink="folHlink"/>
+  <c:chart>
+    <c:autoTitleDeleted val="0"/>
+    <c:plotArea>
+      <c:layout/>
+      <c:barChart>
+        <c:barDir val="col"/>
+        <c:grouping val="stacked"/>
+        <c:varyColors val="0"/>
+        <c:ser>
+          <c:idx val="0"/>
+          <c:order val="0"/>
+          <c:tx>
+            <c:strRef>
+              <c:f>Sheet1!$B$1</c:f>
+              <c:strCache>
+                <c:ptCount val="1"/>
+                <c:pt idx="0">
+                  <c:v>Un</c:v>
+                </c:pt>
+              </c:strCache>
+            </c:strRef>
+          </c:tx>
+          <c:spPr>
+            <a:solidFill>
+              <a:srgbClr val="A02226"/>
+            </a:solidFill>
+            <a:ln w="9525">
+              <a:solidFill>
+                <a:srgbClr val="FFFFFF"/>
+              </a:solidFill>
+            </a:ln>
+          </c:spPr>
+          <c:invertIfNegative val="0"/>
+          <c:cat>
+            <c:strRef>
+              <c:f>Sheet1!$A$2:$A$7</c:f>
+              <c:strCache>
+                <c:ptCount val="6"/>
+                <c:pt idx="0">
+                  <c:v>30-50</c:v>
+                </c:pt>
+                <c:pt idx="1">
+                  <c:v>50-60</c:v>
+                </c:pt>
+                <c:pt idx="2">
+                  <c:v>60-70</c:v>
+                </c:pt>
+                <c:pt idx="3">
+                  <c:v>70-80</c:v>
+                </c:pt>
+                <c:pt idx="4">
+                  <c:v>80-90</c:v>
+                </c:pt>
+                <c:pt idx="5">
+                  <c:v>90-100</c:v>
+                </c:pt>
+              </c:strCache>
+            </c:strRef>
+          </c:cat>
+          <c:val>
+            <c:numRef>
+              <c:f>Sheet1!$B$2:$B$7</c:f>
+              <c:numCache>
+                <c:formatCode>General</c:formatCode>
+                <c:ptCount val="6"/>
+                <c:pt idx="0">
+                  <c:v>19.422977846470889</c:v>
+                </c:pt>
+                <c:pt idx="1">
+                  <c:v>13.601683767429623</c:v>
+                </c:pt>
+                <c:pt idx="2">
+                  <c:v>13.129906305393771</c:v>
+                </c:pt>
+                <c:pt idx="3">
+                  <c:v>12.266825846888525</c:v>
+                </c:pt>
+                <c:pt idx="4">
+                  <c:v>10.951023581238664</c:v>
+                </c:pt>
+                <c:pt idx="5">
+                  <c:v>9.1511936339522553</c:v>
+                </c:pt>
+              </c:numCache>
+            </c:numRef>
+          </c:val>
+          <c:extLst>
+            <c:ext xmlns:c16="http://schemas.microsoft.com/office/drawing/2014/chart" uri="{C3380CC4-5D6E-409C-BE32-E72D297353CC}">
+              <c16:uniqueId val="{00000004-E863-4826-BE0B-3F0E5DB61A77}"/>
+            </c:ext>
+          </c:extLst>
+        </c:ser>
+        <c:ser>
+          <c:idx val="1"/>
+          <c:order val="1"/>
+          <c:tx>
+            <c:strRef>
+              <c:f>Sheet1!$C$1</c:f>
+              <c:strCache>
+                <c:ptCount val="1"/>
+                <c:pt idx="0">
+                  <c:v>Under</c:v>
+                </c:pt>
+              </c:strCache>
+            </c:strRef>
+          </c:tx>
+          <c:spPr>
+            <a:solidFill>
+              <a:srgbClr val="D4582A"/>
+            </a:solidFill>
+            <a:ln w="9525">
+              <a:solidFill>
+                <a:srgbClr val="FFFFFF"/>
+              </a:solidFill>
+            </a:ln>
+          </c:spPr>
+          <c:invertIfNegative val="0"/>
+          <c:cat>
+            <c:strRef>
+              <c:f>Sheet1!$A$2:$A$7</c:f>
+              <c:strCache>
+                <c:ptCount val="6"/>
+                <c:pt idx="0">
+                  <c:v>30-50</c:v>
+                </c:pt>
+                <c:pt idx="1">
+                  <c:v>50-60</c:v>
+                </c:pt>
+                <c:pt idx="2">
+                  <c:v>60-70</c:v>
+                </c:pt>
+                <c:pt idx="3">
+                  <c:v>70-80</c:v>
+                </c:pt>
+                <c:pt idx="4">
+                  <c:v>80-90</c:v>
+                </c:pt>
+                <c:pt idx="5">
+                  <c:v>90-100</c:v>
+                </c:pt>
+              </c:strCache>
+            </c:strRef>
+          </c:cat>
+          <c:val>
+            <c:numRef>
+              <c:f>Sheet1!$C$2:$C$7</c:f>
+              <c:numCache>
+                <c:formatCode>General</c:formatCode>
+                <c:ptCount val="6"/>
+                <c:pt idx="0">
+                  <c:v>17.053065430190621</c:v>
+                </c:pt>
+                <c:pt idx="1">
+                  <c:v>18.863456985003946</c:v>
+                </c:pt>
+                <c:pt idx="2">
+                  <c:v>18.511015446948594</c:v>
+                </c:pt>
+                <c:pt idx="3">
+                  <c:v>17.004924638113714</c:v>
+                </c:pt>
+                <c:pt idx="4">
+                  <c:v>16.631251619590568</c:v>
+                </c:pt>
+                <c:pt idx="5">
+                  <c:v>12.35632183908046</c:v>
+                </c:pt>
+              </c:numCache>
+            </c:numRef>
+          </c:val>
+          <c:extLst>
+            <c:ext xmlns:c16="http://schemas.microsoft.com/office/drawing/2014/chart" uri="{C3380CC4-5D6E-409C-BE32-E72D297353CC}">
+              <c16:uniqueId val="{00000006-E863-4826-BE0B-3F0E5DB61A77}"/>
+            </c:ext>
+          </c:extLst>
+        </c:ser>
+        <c:dLbls>
+          <c:showLegendKey val="0"/>
+          <c:showVal val="0"/>
+          <c:showCatName val="0"/>
+          <c:showSerName val="0"/>
+          <c:showPercent val="0"/>
+          <c:showBubbleSize val="0"/>
+        </c:dLbls>
+        <c:gapWidth val="100"/>
+        <c:overlap val="100"/>
+        <c:axId val="331915264"/>
+        <c:axId val="331917184"/>
+      </c:barChart>
+      <c:catAx>
+        <c:axId val="331915264"/>
+        <c:scaling>
+          <c:orientation val="minMax"/>
+        </c:scaling>
+        <c:delete val="0"/>
+        <c:axPos val="b"/>
+        <c:numFmt formatCode="General" sourceLinked="1"/>
+        <c:majorTickMark val="none"/>
+        <c:minorTickMark val="none"/>
+        <c:tickLblPos val="nextTo"/>
+        <c:spPr>
+          <a:ln>
+            <a:solidFill>
+              <a:schemeClr val="tx1"/>
+            </a:solidFill>
+          </a:ln>
+        </c:spPr>
+        <c:txPr>
+          <a:bodyPr/>
+          <a:lstStyle/>
+          <a:p>
+            <a:pPr>
+              <a:defRPr sz="1800"/>
+            </a:pPr>
+            <a:endParaRPr lang="en-US"/>
+          </a:p>
+        </c:txPr>
+        <c:crossAx val="331917184"/>
+        <c:crosses val="autoZero"/>
+        <c:auto val="1"/>
+        <c:lblAlgn val="ctr"/>
+        <c:lblOffset val="100"/>
+        <c:noMultiLvlLbl val="0"/>
+      </c:catAx>
+      <c:valAx>
+        <c:axId val="331917184"/>
+        <c:scaling>
+          <c:orientation val="minMax"/>
+        </c:scaling>
+        <c:delete val="0"/>
+        <c:axPos val="l"/>
+        <c:majorGridlines>
+          <c:spPr>
+            <a:ln>
+              <a:solidFill>
+                <a:schemeClr val="accent6">
+                  <a:lumMod val="60000"/>
+                  <a:lumOff val="40000"/>
+                </a:schemeClr>
+              </a:solidFill>
+            </a:ln>
+          </c:spPr>
+        </c:majorGridlines>
+        <c:numFmt formatCode="General" sourceLinked="0"/>
+        <c:majorTickMark val="out"/>
+        <c:minorTickMark val="none"/>
+        <c:tickLblPos val="nextTo"/>
+        <c:spPr>
+          <a:ln>
+            <a:noFill/>
+          </a:ln>
+        </c:spPr>
+        <c:txPr>
+          <a:bodyPr/>
+          <a:lstStyle/>
+          <a:p>
+            <a:pPr>
+              <a:defRPr sz="1800"/>
+            </a:pPr>
+            <a:endParaRPr lang="en-US"/>
+          </a:p>
+        </c:txPr>
+        <c:crossAx val="331915264"/>
+        <c:crosses val="autoZero"/>
+        <c:crossBetween val="between"/>
+      </c:valAx>
+    </c:plotArea>
+    <c:plotVisOnly val="1"/>
+    <c:dispBlanksAs val="gap"/>
+    <c:showDLblsOverMax val="0"/>
+  </c:chart>
+  <c:txPr>
+    <a:bodyPr/>
+    <a:lstStyle/>
+    <a:p>
+      <a:pPr>
+        <a:defRPr sz="1800"/>
+      </a:pPr>
+      <a:endParaRPr lang="en-US"/>
+    </a:p>
+  </c:txPr>
+  <c:externalData r:id="rId2">
+    <c:autoUpdate val="0"/>
+  </c:externalData>
+</c:chartSpace>
+</file>
+
+<file path=ppt/charts/chart5.xml><?xml version="1.0" encoding="utf-8"?>
+<c:chartSpace xmlns:c="http://schemas.openxmlformats.org/drawingml/2006/chart" xmlns:a="http://schemas.openxmlformats.org/drawingml/2006/main" xmlns:r="http://schemas.openxmlformats.org/officeDocument/2006/relationships" xmlns:c16r2="http://schemas.microsoft.com/office/drawing/2015/06/chart">
+  <c:date1904 val="0"/>
+  <c:lang val="en-US"/>
+  <c:roundedCorners val="0"/>
+  <mc:AlternateContent xmlns:mc="http://schemas.openxmlformats.org/markup-compatibility/2006">
+    <mc:Choice xmlns:c14="http://schemas.microsoft.com/office/drawing/2007/8/2/chart" Requires="c14">
+      <c14:style val="102"/>
+    </mc:Choice>
+    <mc:Fallback>
+      <c:style val="2"/>
+    </mc:Fallback>
+  </mc:AlternateContent>
+  <c:clrMapOvr bg1="lt1" tx1="dk1" bg2="lt2" tx2="dk2" accent1="accent1" accent2="accent2" accent3="accent3" accent4="accent4" accent5="accent5" accent6="accent6" hlink="hlink" folHlink="folHlink"/>
+  <c:chart>
+    <c:autoTitleDeleted val="1"/>
+    <c:plotArea>
       <c:layout>
         <c:manualLayout>
           <c:layoutTarget val="inner"/>
@@ -3167,7 +3687,7 @@
 </c:chartSpace>
 </file>
 
-<file path=ppt/charts/chart4.xml><?xml version="1.0" encoding="utf-8"?>
+<file path=ppt/charts/chart6.xml><?xml version="1.0" encoding="utf-8"?>
 <c:chartSpace xmlns:c="http://schemas.openxmlformats.org/drawingml/2006/chart" xmlns:a="http://schemas.openxmlformats.org/drawingml/2006/main" xmlns:r="http://schemas.openxmlformats.org/officeDocument/2006/relationships" xmlns:c16r2="http://schemas.microsoft.com/office/drawing/2015/06/chart">
   <c:date1904 val="0"/>
   <c:lang val="en-US"/>
@@ -4286,6 +4806,100 @@
           <a:p>
             <a:r>
               <a:rPr lang="en-AU" dirty="0"/>
+              <a:t>Notes: Underemployed are people working part-time seeking more hours.</a:t>
+            </a:r>
+          </a:p>
+          <a:p>
+            <a:r>
+              <a:rPr lang="en-AU" dirty="0"/>
+              <a:t>Source: GOS</a:t>
+            </a:r>
+          </a:p>
+        </p:txBody>
+      </p:sp>
+      <p:sp>
+        <p:nvSpPr>
+          <p:cNvPr id="4" name="Slide Number Placeholder 3"/>
+          <p:cNvSpPr>
+            <a:spLocks noGrp="1"/>
+          </p:cNvSpPr>
+          <p:nvPr>
+            <p:ph type="sldNum" sz="quarter" idx="10"/>
+          </p:nvPr>
+        </p:nvSpPr>
+        <p:spPr/>
+        <p:txBody>
+          <a:bodyPr/>
+          <a:lstStyle/>
+          <a:p>
+            <a:fld id="{EE67FFEB-41A8-4E33-A442-87C345D03039}" type="slidenum">
+              <a:rPr lang="en-US" smtClean="0"/>
+              <a:pPr/>
+              <a:t>4</a:t>
+            </a:fld>
+            <a:endParaRPr lang="en-US"/>
+          </a:p>
+        </p:txBody>
+      </p:sp>
+    </p:spTree>
+    <p:extLst>
+      <p:ext uri="{BB962C8B-B14F-4D97-AF65-F5344CB8AC3E}">
+        <p14:creationId xmlns:p14="http://schemas.microsoft.com/office/powerpoint/2010/main" val="1152983637"/>
+      </p:ext>
+    </p:extLst>
+  </p:cSld>
+  <p:clrMapOvr>
+    <a:masterClrMapping/>
+  </p:clrMapOvr>
+</p:notes>
+</file>
+
+<file path=ppt/notesSlides/notesSlide3.xml><?xml version="1.0" encoding="utf-8"?>
+<p:notes xmlns:a="http://schemas.openxmlformats.org/drawingml/2006/main" xmlns:r="http://schemas.openxmlformats.org/officeDocument/2006/relationships" xmlns:p="http://schemas.openxmlformats.org/presentationml/2006/main">
+  <p:cSld>
+    <p:spTree>
+      <p:nvGrpSpPr>
+        <p:cNvPr id="1" name=""/>
+        <p:cNvGrpSpPr/>
+        <p:nvPr/>
+      </p:nvGrpSpPr>
+      <p:grpSpPr>
+        <a:xfrm>
+          <a:off x="0" y="0"/>
+          <a:ext cx="0" cy="0"/>
+          <a:chOff x="0" y="0"/>
+          <a:chExt cx="0" cy="0"/>
+        </a:xfrm>
+      </p:grpSpPr>
+      <p:sp>
+        <p:nvSpPr>
+          <p:cNvPr id="2" name="Slide Image Placeholder 1"/>
+          <p:cNvSpPr>
+            <a:spLocks noGrp="1" noRot="1" noChangeAspect="1"/>
+          </p:cNvSpPr>
+          <p:nvPr>
+            <p:ph type="sldImg"/>
+          </p:nvPr>
+        </p:nvSpPr>
+        <p:spPr/>
+      </p:sp>
+      <p:sp>
+        <p:nvSpPr>
+          <p:cNvPr id="3" name="Notes Placeholder 2"/>
+          <p:cNvSpPr>
+            <a:spLocks noGrp="1"/>
+          </p:cNvSpPr>
+          <p:nvPr>
+            <p:ph type="body" idx="1"/>
+          </p:nvPr>
+        </p:nvSpPr>
+        <p:spPr/>
+        <p:txBody>
+          <a:bodyPr/>
+          <a:lstStyle/>
+          <a:p>
+            <a:r>
+              <a:rPr lang="en-AU" dirty="0"/>
               <a:t>Moving average for ATAR</a:t>
             </a:r>
           </a:p>
@@ -4309,7 +4923,7 @@
             <a:fld id="{EE67FFEB-41A8-4E33-A442-87C345D03039}" type="slidenum">
               <a:rPr lang="en-US" smtClean="0"/>
               <a:pPr/>
-              <a:t>3</a:t>
+              <a:t>5</a:t>
             </a:fld>
             <a:endParaRPr lang="en-US"/>
           </a:p>
@@ -4328,7 +4942,7 @@
 </p:notes>
 </file>
 
-<file path=ppt/notesSlides/notesSlide3.xml><?xml version="1.0" encoding="utf-8"?>
+<file path=ppt/notesSlides/notesSlide4.xml><?xml version="1.0" encoding="utf-8"?>
 <p:notes xmlns:a="http://schemas.openxmlformats.org/drawingml/2006/main" xmlns:r="http://schemas.openxmlformats.org/officeDocument/2006/relationships" xmlns:p="http://schemas.openxmlformats.org/presentationml/2006/main">
   <p:cSld>
     <p:spTree>
@@ -4401,7 +5015,7 @@
             <a:fld id="{EE67FFEB-41A8-4E33-A442-87C345D03039}" type="slidenum">
               <a:rPr lang="en-US" smtClean="0"/>
               <a:pPr/>
-              <a:t>4</a:t>
+              <a:t>6</a:t>
             </a:fld>
             <a:endParaRPr lang="en-US"/>
           </a:p>
@@ -5181,6 +5795,296 @@
       </p:grpSpPr>
       <p:graphicFrame>
         <p:nvGraphicFramePr>
+          <p:cNvPr id="7" name="Chart Placeholder 6">
+            <a:extLst>
+              <a:ext uri="{FF2B5EF4-FFF2-40B4-BE49-F238E27FC236}">
+                <a16:creationId xmlns:a16="http://schemas.microsoft.com/office/drawing/2014/main" id="{79684FC9-EC24-6F48-938B-AF4764A1DA1A}"/>
+              </a:ext>
+            </a:extLst>
+          </p:cNvPr>
+          <p:cNvGraphicFramePr>
+            <a:graphicFrameLocks noGrp="1"/>
+          </p:cNvGraphicFramePr>
+          <p:nvPr>
+            <p:ph type="chart" sz="quarter" idx="10"/>
+            <p:extLst>
+              <p:ext uri="{D42A27DB-BD31-4B8C-83A1-F6EECF244321}">
+                <p14:modId xmlns:p14="http://schemas.microsoft.com/office/powerpoint/2010/main" val="2119473467"/>
+              </p:ext>
+            </p:extLst>
+          </p:nvPr>
+        </p:nvGraphicFramePr>
+        <p:xfrm>
+          <a:off x="-82550" y="-76199"/>
+          <a:ext cx="8172450" cy="5134322"/>
+        </p:xfrm>
+        <a:graphic>
+          <a:graphicData uri="http://schemas.openxmlformats.org/drawingml/2006/chart">
+            <c:chart xmlns:c="http://schemas.openxmlformats.org/drawingml/2006/chart" xmlns:r="http://schemas.openxmlformats.org/officeDocument/2006/relationships" r:id="rId2"/>
+          </a:graphicData>
+        </a:graphic>
+      </p:graphicFrame>
+      <p:sp>
+        <p:nvSpPr>
+          <p:cNvPr id="8" name="TextBox 7">
+            <a:extLst>
+              <a:ext uri="{FF2B5EF4-FFF2-40B4-BE49-F238E27FC236}">
+                <a16:creationId xmlns:a16="http://schemas.microsoft.com/office/drawing/2014/main" id="{1C0F544A-93F7-444C-9AEF-1937FCEFC4DA}"/>
+              </a:ext>
+            </a:extLst>
+          </p:cNvPr>
+          <p:cNvSpPr txBox="1"/>
+          <p:nvPr/>
+        </p:nvSpPr>
+        <p:spPr>
+          <a:xfrm>
+            <a:off x="2260402" y="4970401"/>
+            <a:ext cx="3960440" cy="249299"/>
+          </a:xfrm>
+          <a:prstGeom prst="rect">
+            <a:avLst/>
+          </a:prstGeom>
+          <a:noFill/>
+        </p:spPr>
+        <p:txBody>
+          <a:bodyPr wrap="square" lIns="0" tIns="0" rIns="0" bIns="0" rtlCol="0">
+            <a:spAutoFit/>
+          </a:bodyPr>
+          <a:lstStyle/>
+          <a:p>
+            <a:pPr algn="ctr">
+              <a:lnSpc>
+                <a:spcPct val="90000"/>
+              </a:lnSpc>
+            </a:pPr>
+            <a:r>
+              <a:rPr lang="en-AU" sz="1800" b="1" dirty="0"/>
+              <a:t>ATAR</a:t>
+            </a:r>
+          </a:p>
+        </p:txBody>
+      </p:sp>
+    </p:spTree>
+    <p:extLst>
+      <p:ext uri="{BB962C8B-B14F-4D97-AF65-F5344CB8AC3E}">
+        <p14:creationId xmlns:p14="http://schemas.microsoft.com/office/powerpoint/2010/main" val="2415155933"/>
+      </p:ext>
+    </p:extLst>
+  </p:cSld>
+  <p:clrMapOvr>
+    <a:masterClrMapping/>
+  </p:clrMapOvr>
+</p:sld>
+</file>
+
+<file path=ppt/slides/slide4.xml><?xml version="1.0" encoding="utf-8"?>
+<p:sld xmlns:a="http://schemas.openxmlformats.org/drawingml/2006/main" xmlns:r="http://schemas.openxmlformats.org/officeDocument/2006/relationships" xmlns:p="http://schemas.openxmlformats.org/presentationml/2006/main">
+  <p:cSld>
+    <p:spTree>
+      <p:nvGrpSpPr>
+        <p:cNvPr id="1" name=""/>
+        <p:cNvGrpSpPr/>
+        <p:nvPr/>
+      </p:nvGrpSpPr>
+      <p:grpSpPr>
+        <a:xfrm>
+          <a:off x="0" y="0"/>
+          <a:ext cx="0" cy="0"/>
+          <a:chOff x="0" y="0"/>
+          <a:chExt cx="0" cy="0"/>
+        </a:xfrm>
+      </p:grpSpPr>
+      <p:graphicFrame>
+        <p:nvGraphicFramePr>
+          <p:cNvPr id="7" name="Chart Placeholder 6">
+            <a:extLst>
+              <a:ext uri="{FF2B5EF4-FFF2-40B4-BE49-F238E27FC236}">
+                <a16:creationId xmlns:a16="http://schemas.microsoft.com/office/drawing/2014/main" id="{79684FC9-EC24-6F48-938B-AF4764A1DA1A}"/>
+              </a:ext>
+            </a:extLst>
+          </p:cNvPr>
+          <p:cNvGraphicFramePr>
+            <a:graphicFrameLocks noGrp="1"/>
+          </p:cNvGraphicFramePr>
+          <p:nvPr>
+            <p:ph type="chart" sz="quarter" idx="10"/>
+            <p:extLst>
+              <p:ext uri="{D42A27DB-BD31-4B8C-83A1-F6EECF244321}">
+                <p14:modId xmlns:p14="http://schemas.microsoft.com/office/powerpoint/2010/main" val="2542131403"/>
+              </p:ext>
+            </p:extLst>
+          </p:nvPr>
+        </p:nvGraphicFramePr>
+        <p:xfrm>
+          <a:off x="-82550" y="-76199"/>
+          <a:ext cx="8172450" cy="5134322"/>
+        </p:xfrm>
+        <a:graphic>
+          <a:graphicData uri="http://schemas.openxmlformats.org/drawingml/2006/chart">
+            <c:chart xmlns:c="http://schemas.openxmlformats.org/drawingml/2006/chart" xmlns:r="http://schemas.openxmlformats.org/officeDocument/2006/relationships" r:id="rId3"/>
+          </a:graphicData>
+        </a:graphic>
+      </p:graphicFrame>
+      <p:sp>
+        <p:nvSpPr>
+          <p:cNvPr id="8" name="TextBox 7">
+            <a:extLst>
+              <a:ext uri="{FF2B5EF4-FFF2-40B4-BE49-F238E27FC236}">
+                <a16:creationId xmlns:a16="http://schemas.microsoft.com/office/drawing/2014/main" id="{1C0F544A-93F7-444C-9AEF-1937FCEFC4DA}"/>
+              </a:ext>
+            </a:extLst>
+          </p:cNvPr>
+          <p:cNvSpPr txBox="1"/>
+          <p:nvPr/>
+        </p:nvSpPr>
+        <p:spPr>
+          <a:xfrm>
+            <a:off x="2260402" y="4970401"/>
+            <a:ext cx="3960440" cy="249299"/>
+          </a:xfrm>
+          <a:prstGeom prst="rect">
+            <a:avLst/>
+          </a:prstGeom>
+          <a:noFill/>
+        </p:spPr>
+        <p:txBody>
+          <a:bodyPr wrap="square" lIns="0" tIns="0" rIns="0" bIns="0" rtlCol="0">
+            <a:spAutoFit/>
+          </a:bodyPr>
+          <a:lstStyle/>
+          <a:p>
+            <a:pPr algn="ctr">
+              <a:lnSpc>
+                <a:spcPct val="90000"/>
+              </a:lnSpc>
+            </a:pPr>
+            <a:r>
+              <a:rPr lang="en-AU" sz="1800" b="1" dirty="0"/>
+              <a:t>ATAR</a:t>
+            </a:r>
+          </a:p>
+        </p:txBody>
+      </p:sp>
+      <p:sp>
+        <p:nvSpPr>
+          <p:cNvPr id="2" name="TextBox 1">
+            <a:extLst>
+              <a:ext uri="{FF2B5EF4-FFF2-40B4-BE49-F238E27FC236}">
+                <a16:creationId xmlns:a16="http://schemas.microsoft.com/office/drawing/2014/main" id="{B7A6A5EE-8D62-D741-BEF7-48424608DF75}"/>
+              </a:ext>
+            </a:extLst>
+          </p:cNvPr>
+          <p:cNvSpPr txBox="1"/>
+          <p:nvPr/>
+        </p:nvSpPr>
+        <p:spPr>
+          <a:xfrm>
+            <a:off x="1453798" y="141382"/>
+            <a:ext cx="2232248" cy="249299"/>
+          </a:xfrm>
+          <a:prstGeom prst="rect">
+            <a:avLst/>
+          </a:prstGeom>
+          <a:noFill/>
+        </p:spPr>
+        <p:txBody>
+          <a:bodyPr wrap="square" lIns="0" tIns="0" rIns="0" bIns="0" rtlCol="0">
+            <a:spAutoFit/>
+          </a:bodyPr>
+          <a:lstStyle/>
+          <a:p>
+            <a:pPr algn="l">
+              <a:lnSpc>
+                <a:spcPct val="90000"/>
+              </a:lnSpc>
+            </a:pPr>
+            <a:r>
+              <a:rPr lang="en-AU" sz="1800" b="1" dirty="0">
+                <a:solidFill>
+                  <a:schemeClr val="accent1"/>
+                </a:solidFill>
+              </a:rPr>
+              <a:t>Underemployed</a:t>
+            </a:r>
+          </a:p>
+        </p:txBody>
+      </p:sp>
+      <p:sp>
+        <p:nvSpPr>
+          <p:cNvPr id="5" name="TextBox 4">
+            <a:extLst>
+              <a:ext uri="{FF2B5EF4-FFF2-40B4-BE49-F238E27FC236}">
+                <a16:creationId xmlns:a16="http://schemas.microsoft.com/office/drawing/2014/main" id="{CD84E32A-8DFB-FE45-BB7B-153FD8B82030}"/>
+              </a:ext>
+            </a:extLst>
+          </p:cNvPr>
+          <p:cNvSpPr txBox="1"/>
+          <p:nvPr/>
+        </p:nvSpPr>
+        <p:spPr>
+          <a:xfrm>
+            <a:off x="1453798" y="390681"/>
+            <a:ext cx="2232248" cy="249299"/>
+          </a:xfrm>
+          <a:prstGeom prst="rect">
+            <a:avLst/>
+          </a:prstGeom>
+          <a:noFill/>
+        </p:spPr>
+        <p:txBody>
+          <a:bodyPr wrap="square" lIns="0" tIns="0" rIns="0" bIns="0" rtlCol="0">
+            <a:spAutoFit/>
+          </a:bodyPr>
+          <a:lstStyle/>
+          <a:p>
+            <a:pPr algn="l">
+              <a:lnSpc>
+                <a:spcPct val="90000"/>
+              </a:lnSpc>
+            </a:pPr>
+            <a:r>
+              <a:rPr lang="en-AU" sz="1800" b="1" dirty="0">
+                <a:solidFill>
+                  <a:schemeClr val="tx2"/>
+                </a:solidFill>
+              </a:rPr>
+              <a:t>Unemployed</a:t>
+            </a:r>
+          </a:p>
+        </p:txBody>
+      </p:sp>
+    </p:spTree>
+    <p:extLst>
+      <p:ext uri="{BB962C8B-B14F-4D97-AF65-F5344CB8AC3E}">
+        <p14:creationId xmlns:p14="http://schemas.microsoft.com/office/powerpoint/2010/main" val="3526087613"/>
+      </p:ext>
+    </p:extLst>
+  </p:cSld>
+  <p:clrMapOvr>
+    <a:masterClrMapping/>
+  </p:clrMapOvr>
+</p:sld>
+</file>
+
+<file path=ppt/slides/slide5.xml><?xml version="1.0" encoding="utf-8"?>
+<p:sld xmlns:a="http://schemas.openxmlformats.org/drawingml/2006/main" xmlns:r="http://schemas.openxmlformats.org/officeDocument/2006/relationships" xmlns:p="http://schemas.openxmlformats.org/presentationml/2006/main">
+  <p:cSld>
+    <p:spTree>
+      <p:nvGrpSpPr>
+        <p:cNvPr id="1" name=""/>
+        <p:cNvGrpSpPr/>
+        <p:nvPr/>
+      </p:nvGrpSpPr>
+      <p:grpSpPr>
+        <a:xfrm>
+          <a:off x="0" y="0"/>
+          <a:ext cx="0" cy="0"/>
+          <a:chOff x="0" y="0"/>
+          <a:chExt cx="0" cy="0"/>
+        </a:xfrm>
+      </p:grpSpPr>
+      <p:graphicFrame>
+        <p:nvGraphicFramePr>
           <p:cNvPr id="3" name="Chart Placeholder 2">
             <a:extLst>
               <a:ext uri="{FF2B5EF4-FFF2-40B4-BE49-F238E27FC236}">
@@ -5331,7 +6235,7 @@
 </p:sld>
 </file>
 
-<file path=ppt/slides/slide4.xml><?xml version="1.0" encoding="utf-8"?>
+<file path=ppt/slides/slide6.xml><?xml version="1.0" encoding="utf-8"?>
 <p:sld xmlns:a="http://schemas.openxmlformats.org/drawingml/2006/main" xmlns:r="http://schemas.openxmlformats.org/officeDocument/2006/relationships" xmlns:p="http://schemas.openxmlformats.org/presentationml/2006/main">
   <p:cSld>
     <p:spTree>
@@ -7012,4 +7916,446 @@
     </a:bgFillStyleLst>
   </a:fmtScheme>
 </a:themeOverride>
+</file>
+
+<file path=ppt/theme/themeOverride5.xml><?xml version="1.0" encoding="utf-8"?>
+<a:themeOverride xmlns:a="http://schemas.openxmlformats.org/drawingml/2006/main">
+  <a:clrScheme name="Grattan">
+    <a:dk1>
+      <a:srgbClr val="000000"/>
+    </a:dk1>
+    <a:lt1>
+      <a:srgbClr val="FFFFFF"/>
+    </a:lt1>
+    <a:dk2>
+      <a:srgbClr val="A02226"/>
+    </a:dk2>
+    <a:lt2>
+      <a:srgbClr val="621214"/>
+    </a:lt2>
+    <a:accent1>
+      <a:srgbClr val="D4582A"/>
+    </a:accent1>
+    <a:accent2>
+      <a:srgbClr val="F68B33"/>
+    </a:accent2>
+    <a:accent3>
+      <a:srgbClr val="FFC35A"/>
+    </a:accent3>
+    <a:accent4>
+      <a:srgbClr val="FFE07F"/>
+    </a:accent4>
+    <a:accent5>
+      <a:srgbClr val="F3901D"/>
+    </a:accent5>
+    <a:accent6>
+      <a:srgbClr val="6A737B"/>
+    </a:accent6>
+    <a:hlink>
+      <a:srgbClr val="757575"/>
+    </a:hlink>
+    <a:folHlink>
+      <a:srgbClr val="AEAEAE"/>
+    </a:folHlink>
+  </a:clrScheme>
+  <a:fontScheme name="Blank Presentation">
+    <a:majorFont>
+      <a:latin typeface="Arial"/>
+      <a:ea typeface="ＭＳ Ｐゴシック"/>
+      <a:cs typeface=""/>
+    </a:majorFont>
+    <a:minorFont>
+      <a:latin typeface="Arial"/>
+      <a:ea typeface="ＭＳ Ｐゴシック"/>
+      <a:cs typeface=""/>
+    </a:minorFont>
+  </a:fontScheme>
+  <a:fmtScheme name="Office">
+    <a:fillStyleLst>
+      <a:solidFill>
+        <a:schemeClr val="phClr"/>
+      </a:solidFill>
+      <a:gradFill rotWithShape="1">
+        <a:gsLst>
+          <a:gs pos="0">
+            <a:schemeClr val="phClr">
+              <a:tint val="50000"/>
+              <a:satMod val="300000"/>
+            </a:schemeClr>
+          </a:gs>
+          <a:gs pos="35000">
+            <a:schemeClr val="phClr">
+              <a:tint val="37000"/>
+              <a:satMod val="300000"/>
+            </a:schemeClr>
+          </a:gs>
+          <a:gs pos="100000">
+            <a:schemeClr val="phClr">
+              <a:tint val="15000"/>
+              <a:satMod val="350000"/>
+            </a:schemeClr>
+          </a:gs>
+        </a:gsLst>
+        <a:lin ang="16200000" scaled="1"/>
+      </a:gradFill>
+      <a:gradFill rotWithShape="1">
+        <a:gsLst>
+          <a:gs pos="0">
+            <a:schemeClr val="phClr">
+              <a:shade val="51000"/>
+              <a:satMod val="130000"/>
+            </a:schemeClr>
+          </a:gs>
+          <a:gs pos="80000">
+            <a:schemeClr val="phClr">
+              <a:shade val="93000"/>
+              <a:satMod val="130000"/>
+            </a:schemeClr>
+          </a:gs>
+          <a:gs pos="100000">
+            <a:schemeClr val="phClr">
+              <a:shade val="94000"/>
+              <a:satMod val="135000"/>
+            </a:schemeClr>
+          </a:gs>
+        </a:gsLst>
+        <a:lin ang="16200000" scaled="0"/>
+      </a:gradFill>
+    </a:fillStyleLst>
+    <a:lnStyleLst>
+      <a:ln w="9525" cap="flat" cmpd="sng" algn="ctr">
+        <a:solidFill>
+          <a:schemeClr val="phClr">
+            <a:shade val="95000"/>
+            <a:satMod val="105000"/>
+          </a:schemeClr>
+        </a:solidFill>
+        <a:prstDash val="solid"/>
+      </a:ln>
+      <a:ln w="25400" cap="flat" cmpd="sng" algn="ctr">
+        <a:solidFill>
+          <a:schemeClr val="phClr"/>
+        </a:solidFill>
+        <a:prstDash val="solid"/>
+      </a:ln>
+      <a:ln w="38100" cap="flat" cmpd="sng" algn="ctr">
+        <a:solidFill>
+          <a:schemeClr val="phClr"/>
+        </a:solidFill>
+        <a:prstDash val="solid"/>
+      </a:ln>
+    </a:lnStyleLst>
+    <a:effectStyleLst>
+      <a:effectStyle>
+        <a:effectLst>
+          <a:outerShdw blurRad="40000" dist="20000" dir="5400000" rotWithShape="0">
+            <a:srgbClr val="000000">
+              <a:alpha val="38000"/>
+            </a:srgbClr>
+          </a:outerShdw>
+        </a:effectLst>
+      </a:effectStyle>
+      <a:effectStyle>
+        <a:effectLst>
+          <a:outerShdw blurRad="40000" dist="23000" dir="5400000" rotWithShape="0">
+            <a:srgbClr val="000000">
+              <a:alpha val="35000"/>
+            </a:srgbClr>
+          </a:outerShdw>
+        </a:effectLst>
+      </a:effectStyle>
+      <a:effectStyle>
+        <a:effectLst>
+          <a:outerShdw blurRad="40000" dist="23000" dir="5400000" rotWithShape="0">
+            <a:srgbClr val="000000">
+              <a:alpha val="35000"/>
+            </a:srgbClr>
+          </a:outerShdw>
+        </a:effectLst>
+        <a:scene3d>
+          <a:camera prst="orthographicFront">
+            <a:rot lat="0" lon="0" rev="0"/>
+          </a:camera>
+          <a:lightRig rig="threePt" dir="t">
+            <a:rot lat="0" lon="0" rev="1200000"/>
+          </a:lightRig>
+        </a:scene3d>
+        <a:sp3d>
+          <a:bevelT w="63500" h="25400"/>
+        </a:sp3d>
+      </a:effectStyle>
+    </a:effectStyleLst>
+    <a:bgFillStyleLst>
+      <a:solidFill>
+        <a:schemeClr val="phClr"/>
+      </a:solidFill>
+      <a:gradFill rotWithShape="1">
+        <a:gsLst>
+          <a:gs pos="0">
+            <a:schemeClr val="phClr">
+              <a:tint val="40000"/>
+              <a:satMod val="350000"/>
+            </a:schemeClr>
+          </a:gs>
+          <a:gs pos="40000">
+            <a:schemeClr val="phClr">
+              <a:tint val="45000"/>
+              <a:shade val="99000"/>
+              <a:satMod val="350000"/>
+            </a:schemeClr>
+          </a:gs>
+          <a:gs pos="100000">
+            <a:schemeClr val="phClr">
+              <a:shade val="20000"/>
+              <a:satMod val="255000"/>
+            </a:schemeClr>
+          </a:gs>
+        </a:gsLst>
+        <a:path path="circle">
+          <a:fillToRect l="50000" t="-80000" r="50000" b="180000"/>
+        </a:path>
+      </a:gradFill>
+      <a:gradFill rotWithShape="1">
+        <a:gsLst>
+          <a:gs pos="0">
+            <a:schemeClr val="phClr">
+              <a:tint val="80000"/>
+              <a:satMod val="300000"/>
+            </a:schemeClr>
+          </a:gs>
+          <a:gs pos="100000">
+            <a:schemeClr val="phClr">
+              <a:shade val="30000"/>
+              <a:satMod val="200000"/>
+            </a:schemeClr>
+          </a:gs>
+        </a:gsLst>
+        <a:path path="circle">
+          <a:fillToRect l="50000" t="50000" r="50000" b="50000"/>
+        </a:path>
+      </a:gradFill>
+    </a:bgFillStyleLst>
+  </a:fmtScheme>
+</a:themeOverride>
+</file>
+
+<file path=ppt/theme/themeOverride6.xml><?xml version="1.0" encoding="utf-8"?>
+<a:themeOverride xmlns:a="http://schemas.openxmlformats.org/drawingml/2006/main">
+  <a:clrScheme name="Grattan">
+    <a:dk1>
+      <a:srgbClr val="000000"/>
+    </a:dk1>
+    <a:lt1>
+      <a:srgbClr val="FFFFFF"/>
+    </a:lt1>
+    <a:dk2>
+      <a:srgbClr val="A02226"/>
+    </a:dk2>
+    <a:lt2>
+      <a:srgbClr val="621214"/>
+    </a:lt2>
+    <a:accent1>
+      <a:srgbClr val="D4582A"/>
+    </a:accent1>
+    <a:accent2>
+      <a:srgbClr val="F68B33"/>
+    </a:accent2>
+    <a:accent3>
+      <a:srgbClr val="FFC35A"/>
+    </a:accent3>
+    <a:accent4>
+      <a:srgbClr val="FFE07F"/>
+    </a:accent4>
+    <a:accent5>
+      <a:srgbClr val="F3901D"/>
+    </a:accent5>
+    <a:accent6>
+      <a:srgbClr val="6A737B"/>
+    </a:accent6>
+    <a:hlink>
+      <a:srgbClr val="757575"/>
+    </a:hlink>
+    <a:folHlink>
+      <a:srgbClr val="AEAEAE"/>
+    </a:folHlink>
+  </a:clrScheme>
+  <a:fontScheme name="Blank Presentation">
+    <a:majorFont>
+      <a:latin typeface="Arial"/>
+      <a:ea typeface="ＭＳ Ｐゴシック"/>
+      <a:cs typeface=""/>
+    </a:majorFont>
+    <a:minorFont>
+      <a:latin typeface="Arial"/>
+      <a:ea typeface="ＭＳ Ｐゴシック"/>
+      <a:cs typeface=""/>
+    </a:minorFont>
+  </a:fontScheme>
+  <a:fmtScheme name="Office">
+    <a:fillStyleLst>
+      <a:solidFill>
+        <a:schemeClr val="phClr"/>
+      </a:solidFill>
+      <a:gradFill rotWithShape="1">
+        <a:gsLst>
+          <a:gs pos="0">
+            <a:schemeClr val="phClr">
+              <a:tint val="50000"/>
+              <a:satMod val="300000"/>
+            </a:schemeClr>
+          </a:gs>
+          <a:gs pos="35000">
+            <a:schemeClr val="phClr">
+              <a:tint val="37000"/>
+              <a:satMod val="300000"/>
+            </a:schemeClr>
+          </a:gs>
+          <a:gs pos="100000">
+            <a:schemeClr val="phClr">
+              <a:tint val="15000"/>
+              <a:satMod val="350000"/>
+            </a:schemeClr>
+          </a:gs>
+        </a:gsLst>
+        <a:lin ang="16200000" scaled="1"/>
+      </a:gradFill>
+      <a:gradFill rotWithShape="1">
+        <a:gsLst>
+          <a:gs pos="0">
+            <a:schemeClr val="phClr">
+              <a:shade val="51000"/>
+              <a:satMod val="130000"/>
+            </a:schemeClr>
+          </a:gs>
+          <a:gs pos="80000">
+            <a:schemeClr val="phClr">
+              <a:shade val="93000"/>
+              <a:satMod val="130000"/>
+            </a:schemeClr>
+          </a:gs>
+          <a:gs pos="100000">
+            <a:schemeClr val="phClr">
+              <a:shade val="94000"/>
+              <a:satMod val="135000"/>
+            </a:schemeClr>
+          </a:gs>
+        </a:gsLst>
+        <a:lin ang="16200000" scaled="0"/>
+      </a:gradFill>
+    </a:fillStyleLst>
+    <a:lnStyleLst>
+      <a:ln w="9525" cap="flat" cmpd="sng" algn="ctr">
+        <a:solidFill>
+          <a:schemeClr val="phClr">
+            <a:shade val="95000"/>
+            <a:satMod val="105000"/>
+          </a:schemeClr>
+        </a:solidFill>
+        <a:prstDash val="solid"/>
+      </a:ln>
+      <a:ln w="25400" cap="flat" cmpd="sng" algn="ctr">
+        <a:solidFill>
+          <a:schemeClr val="phClr"/>
+        </a:solidFill>
+        <a:prstDash val="solid"/>
+      </a:ln>
+      <a:ln w="38100" cap="flat" cmpd="sng" algn="ctr">
+        <a:solidFill>
+          <a:schemeClr val="phClr"/>
+        </a:solidFill>
+        <a:prstDash val="solid"/>
+      </a:ln>
+    </a:lnStyleLst>
+    <a:effectStyleLst>
+      <a:effectStyle>
+        <a:effectLst>
+          <a:outerShdw blurRad="40000" dist="20000" dir="5400000" rotWithShape="0">
+            <a:srgbClr val="000000">
+              <a:alpha val="38000"/>
+            </a:srgbClr>
+          </a:outerShdw>
+        </a:effectLst>
+      </a:effectStyle>
+      <a:effectStyle>
+        <a:effectLst>
+          <a:outerShdw blurRad="40000" dist="23000" dir="5400000" rotWithShape="0">
+            <a:srgbClr val="000000">
+              <a:alpha val="35000"/>
+            </a:srgbClr>
+          </a:outerShdw>
+        </a:effectLst>
+      </a:effectStyle>
+      <a:effectStyle>
+        <a:effectLst>
+          <a:outerShdw blurRad="40000" dist="23000" dir="5400000" rotWithShape="0">
+            <a:srgbClr val="000000">
+              <a:alpha val="35000"/>
+            </a:srgbClr>
+          </a:outerShdw>
+        </a:effectLst>
+        <a:scene3d>
+          <a:camera prst="orthographicFront">
+            <a:rot lat="0" lon="0" rev="0"/>
+          </a:camera>
+          <a:lightRig rig="threePt" dir="t">
+            <a:rot lat="0" lon="0" rev="1200000"/>
+          </a:lightRig>
+        </a:scene3d>
+        <a:sp3d>
+          <a:bevelT w="63500" h="25400"/>
+        </a:sp3d>
+      </a:effectStyle>
+    </a:effectStyleLst>
+    <a:bgFillStyleLst>
+      <a:solidFill>
+        <a:schemeClr val="phClr"/>
+      </a:solidFill>
+      <a:gradFill rotWithShape="1">
+        <a:gsLst>
+          <a:gs pos="0">
+            <a:schemeClr val="phClr">
+              <a:tint val="40000"/>
+              <a:satMod val="350000"/>
+            </a:schemeClr>
+          </a:gs>
+          <a:gs pos="40000">
+            <a:schemeClr val="phClr">
+              <a:tint val="45000"/>
+              <a:shade val="99000"/>
+              <a:satMod val="350000"/>
+            </a:schemeClr>
+          </a:gs>
+          <a:gs pos="100000">
+            <a:schemeClr val="phClr">
+              <a:shade val="20000"/>
+              <a:satMod val="255000"/>
+            </a:schemeClr>
+          </a:gs>
+        </a:gsLst>
+        <a:path path="circle">
+          <a:fillToRect l="50000" t="-80000" r="50000" b="180000"/>
+        </a:path>
+      </a:gradFill>
+      <a:gradFill rotWithShape="1">
+        <a:gsLst>
+          <a:gs pos="0">
+            <a:schemeClr val="phClr">
+              <a:tint val="80000"/>
+              <a:satMod val="300000"/>
+            </a:schemeClr>
+          </a:gs>
+          <a:gs pos="100000">
+            <a:schemeClr val="phClr">
+              <a:shade val="30000"/>
+              <a:satMod val="200000"/>
+            </a:schemeClr>
+          </a:gs>
+        </a:gsLst>
+        <a:path path="circle">
+          <a:fillToRect l="50000" t="50000" r="50000" b="50000"/>
+        </a:path>
+      </a:gradFill>
+    </a:bgFillStyleLst>
+  </a:fmtScheme>
+</a:themeOverride>
 </file>